--- a/문서/Todo_List 화면 기획서.pptx
+++ b/문서/Todo_List 화면 기획서.pptx
@@ -2,7 +2,7 @@
 <file path=ppt/presentation.xml><?xml version="1.0" encoding="utf-8"?>
 <p:presentation xmlns:r="http://schemas.openxmlformats.org/officeDocument/2006/relationships" xmlns:c="http://schemas.openxmlformats.org/drawingml/2006/chart" xmlns:a="http://schemas.openxmlformats.org/drawingml/2006/main" xmlns:dgm="http://schemas.openxmlformats.org/drawingml/2006/diagram" xmlns:dsp="http://schemas.microsoft.com/office/drawing/2008/diagram" xmlns:p="http://schemas.openxmlformats.org/presentationml/2006/main" strictFirstAndLastChars="0" saveSubsetFonts="1" autoCompressPictures="0">
   <p:sldMasterIdLst>
-    <p:sldMasterId id="2147483671" r:id="rId1"/>
+    <p:sldMasterId id="2147483666" r:id="rId1"/>
   </p:sldMasterIdLst>
   <p:notesMasterIdLst>
     <p:notesMasterId r:id="rId2"/>
@@ -8394,8 +8394,8 @@
         </p:nvSpPr>
         <p:spPr>
           <a:xfrm>
-            <a:off x="3630646" y="1908247"/>
-            <a:ext cx="646011" cy="299648"/>
+            <a:off x="1268891" y="3250659"/>
+            <a:ext cx="646011" cy="300261"/>
           </a:xfrm>
           <a:prstGeom prst="rect">
             <a:avLst/>
@@ -8434,7 +8434,7 @@
         </p:nvSpPr>
         <p:spPr>
           <a:xfrm>
-            <a:off x="4184111" y="1937292"/>
+            <a:off x="1822356" y="3279704"/>
             <a:ext cx="775777" cy="244915"/>
           </a:xfrm>
           <a:prstGeom prst="rect">
@@ -9902,7 +9902,7 @@
         <p:spPr>
           <a:xfrm>
             <a:off x="4086738" y="3564969"/>
-            <a:ext cx="433826" cy="300276"/>
+            <a:ext cx="433827" cy="300276"/>
           </a:xfrm>
           <a:prstGeom prst="rect">
             <a:avLst/>
@@ -10793,7 +10793,7 @@
         <p:spPr>
           <a:xfrm>
             <a:off x="5107789" y="4076311"/>
-            <a:ext cx="431950" cy="298694"/>
+            <a:ext cx="431951" cy="298694"/>
           </a:xfrm>
           <a:prstGeom prst="rect">
             <a:avLst/>
@@ -12715,7 +12715,7 @@
         </p:nvSpPr>
         <p:spPr>
           <a:xfrm>
-            <a:off x="3630646" y="1908247"/>
+            <a:off x="1296743" y="3239519"/>
             <a:ext cx="646011" cy="299648"/>
           </a:xfrm>
           <a:prstGeom prst="rect">
@@ -12755,7 +12755,7 @@
         </p:nvSpPr>
         <p:spPr>
           <a:xfrm>
-            <a:off x="4184111" y="1937292"/>
+            <a:off x="1850208" y="3268564"/>
             <a:ext cx="775777" cy="244915"/>
           </a:xfrm>
           <a:prstGeom prst="rect">
@@ -13507,6 +13507,10 @@
                         <a:buNone/>
                         <a:defRPr/>
                       </a:pPr>
+                      <a:r>
+                        <a:rPr lang="en-US" altLang="ko-KR"/>
+                        <a:t>2025-12-30</a:t>
+                      </a:r>
                       <a:endParaRPr lang="en-US" altLang="ko-KR"/>
                     </a:p>
                   </a:txBody>
@@ -13526,6 +13530,10 @@
                         <a:buNone/>
                         <a:defRPr/>
                       </a:pPr>
+                      <a:r>
+                        <a:rPr lang="ko-KR" altLang="en-US"/>
+                        <a:t>추가 윈도우 뷰 수정</a:t>
+                      </a:r>
                       <a:endParaRPr lang="ko-KR" altLang="en-US"/>
                     </a:p>
                   </a:txBody>
@@ -13545,6 +13553,10 @@
                         <a:buNone/>
                         <a:defRPr/>
                       </a:pPr>
+                      <a:r>
+                        <a:rPr lang="ko-KR" altLang="en-US"/>
+                        <a:t>김상훈</a:t>
+                      </a:r>
                       <a:endParaRPr lang="ko-KR" altLang="en-US"/>
                     </a:p>
                   </a:txBody>
@@ -13564,6 +13576,10 @@
                         <a:buNone/>
                         <a:defRPr/>
                       </a:pPr>
+                      <a:r>
+                        <a:rPr lang="ko-KR" altLang="en-US"/>
+                        <a:t>빈도 위치 변경</a:t>
+                      </a:r>
                       <a:endParaRPr lang="ko-KR" altLang="en-US"/>
                     </a:p>
                   </a:txBody>
@@ -17005,37 +17021,6 @@
       </p:sp>
       <p:sp>
         <p:nvSpPr>
-          <p:cNvPr id="151" name=""/>
-          <p:cNvSpPr txBox="1"/>
-          <p:nvPr/>
-        </p:nvSpPr>
-        <p:spPr>
-          <a:xfrm>
-            <a:off x="2886604" y="2571750"/>
-            <a:ext cx="541761" cy="298662"/>
-          </a:xfrm>
-          <a:prstGeom prst="rect">
-            <a:avLst/>
-          </a:prstGeom>
-        </p:spPr>
-        <p:txBody>
-          <a:bodyPr wrap="none">
-            <a:spAutoFit/>
-          </a:bodyPr>
-          <a:p>
-            <a:pPr>
-              <a:defRPr/>
-            </a:pPr>
-            <a:r>
-              <a:rPr lang="ko-KR" altLang="en-US"/>
-              <a:t>내용</a:t>
-            </a:r>
-            <a:endParaRPr lang="ko-KR" altLang="en-US"/>
-          </a:p>
-        </p:txBody>
-      </p:sp>
-      <p:sp>
-        <p:nvSpPr>
           <p:cNvPr id="152" name="Google Shape;138;p23"/>
           <p:cNvSpPr/>
           <p:nvPr/>
@@ -17075,6 +17060,10 @@
               <a:buNone/>
               <a:defRPr/>
             </a:pPr>
+            <a:r>
+              <a:rPr lang="ko-KR" altLang="en-US"/>
+              <a:t>내용입력</a:t>
+            </a:r>
             <a:endParaRPr lang="ko-KR" altLang="en-US"/>
           </a:p>
         </p:txBody>
@@ -18933,6 +18922,91 @@
           </a:p>
         </p:txBody>
       </p:sp>
+      <p:sp>
+        <p:nvSpPr>
+          <p:cNvPr id="200" name=""/>
+          <p:cNvSpPr txBox="1"/>
+          <p:nvPr/>
+        </p:nvSpPr>
+        <p:spPr>
+          <a:xfrm>
+            <a:off x="1274462" y="3256611"/>
+            <a:ext cx="646011" cy="299647"/>
+          </a:xfrm>
+          <a:prstGeom prst="rect">
+            <a:avLst/>
+          </a:prstGeom>
+        </p:spPr>
+        <p:txBody>
+          <a:bodyPr wrap="square">
+            <a:spAutoFit/>
+          </a:bodyPr>
+          <a:lstStyle/>
+          <a:p>
+            <a:pPr>
+              <a:defRPr/>
+            </a:pPr>
+            <a:r>
+              <a:rPr lang="ko-KR" altLang="en-US"/>
+              <a:t>빈도</a:t>
+            </a:r>
+            <a:r>
+              <a:rPr lang="en-US" altLang="ko-KR"/>
+              <a:t>:</a:t>
+            </a:r>
+            <a:r>
+              <a:rPr lang="ko-KR" altLang="en-US"/>
+              <a:t> </a:t>
+            </a:r>
+            <a:endParaRPr lang="ko-KR" altLang="en-US"/>
+          </a:p>
+        </p:txBody>
+      </p:sp>
+      <p:sp>
+        <p:nvSpPr>
+          <p:cNvPr id="201" name="Google Shape;138;p23"/>
+          <p:cNvSpPr/>
+          <p:nvPr/>
+        </p:nvSpPr>
+        <p:spPr>
+          <a:xfrm>
+            <a:off x="1827927" y="3285656"/>
+            <a:ext cx="775777" cy="244915"/>
+          </a:xfrm>
+          <a:prstGeom prst="rect">
+            <a:avLst/>
+          </a:prstGeom>
+          <a:solidFill>
+            <a:srgbClr val="eeeeee"/>
+          </a:solidFill>
+          <a:ln w="9525" cap="flat" cmpd="sng">
+            <a:solidFill>
+              <a:srgbClr val="595959"/>
+            </a:solidFill>
+            <a:prstDash val="solid"/>
+            <a:round/>
+          </a:ln>
+        </p:spPr>
+        <p:txBody>
+          <a:bodyPr wrap="square" lIns="91424" tIns="91424" rIns="91424" bIns="91424" anchor="ctr" anchorCtr="0">
+            <a:noAutofit/>
+          </a:bodyPr>
+          <a:lstStyle/>
+          <a:p>
+            <a:pPr marL="0" lvl="0" indent="0" algn="ctr" rtl="0">
+              <a:spcBef>
+                <a:spcPts val="0"/>
+              </a:spcBef>
+              <a:spcAft>
+                <a:spcPts val="0"/>
+              </a:spcAft>
+              <a:buNone/>
+              <a:defRPr/>
+            </a:pPr>
+            <a:endParaRPr lang="ko-KR" altLang="en-US"/>
+          </a:p>
+        </p:txBody>
+      </p:sp>
     </p:spTree>
   </p:cSld>
   <p:clrMapOvr>
@@ -18974,7 +19048,7 @@
         </p:nvGraphicFramePr>
         <p:xfrm>
           <a:off x="252000" y="231750"/>
-          <a:ext cx="8635800" cy="4689625"/>
+          <a:ext cx="8633700" cy="4689625"/>
         </p:xfrm>
         <a:graphic>
           <a:graphicData uri="http://schemas.openxmlformats.org/drawingml/2006/table">
@@ -18987,7 +19061,7 @@
                 <a:gridCol w="1725900"/>
                 <a:gridCol w="1728000"/>
                 <a:gridCol w="1728000"/>
-                <a:gridCol w="1728000"/>
+                <a:gridCol w="1725900"/>
                 <a:gridCol w="1725900"/>
               </a:tblGrid>
               <a:tr h="385425">
@@ -20530,7 +20604,7 @@
         </p:nvSpPr>
         <p:spPr>
           <a:xfrm>
-            <a:off x="3630646" y="1891919"/>
+            <a:off x="1274462" y="3256611"/>
             <a:ext cx="646011" cy="299647"/>
           </a:xfrm>
           <a:prstGeom prst="rect">
@@ -20570,7 +20644,7 @@
         </p:nvSpPr>
         <p:spPr>
           <a:xfrm>
-            <a:off x="4184111" y="1920964"/>
+            <a:off x="1827927" y="3285656"/>
             <a:ext cx="775777" cy="244915"/>
           </a:xfrm>
           <a:prstGeom prst="rect">
@@ -21046,7 +21120,7 @@
         <p:spPr>
           <a:xfrm>
             <a:off x="5319128" y="2586037"/>
-            <a:ext cx="420636" cy="298133"/>
+            <a:ext cx="420637" cy="298133"/>
           </a:xfrm>
           <a:prstGeom prst="rect">
             <a:avLst/>
